--- a/week4/day1/others/Course_DS_Presentation_nov_2020.pptx
+++ b/week4/day1/others/Course_DS_Presentation_nov_2020.pptx
@@ -133,33 +133,13 @@
 </p:presentation>
 </file>
 
-<file path=ppt/changesInfos/changesInfo1.xml><?xml version="1.0" encoding="utf-8"?>
-<pc:chgInfo xmlns:a="http://schemas.openxmlformats.org/drawingml/2006/main" xmlns:r="http://schemas.openxmlformats.org/officeDocument/2006/relationships" xmlns:ac="http://schemas.microsoft.com/office/drawing/2013/main/command" xmlns:pc="http://schemas.microsoft.com/office/powerpoint/2013/main/command">
-  <pc:docChgLst>
-    <pc:chgData name="andreea mangar" userId="27925e5480a45e8d" providerId="LiveId" clId="{47F6E039-A133-4ECF-A9F9-8661E7581ED1}"/>
-    <pc:docChg chg="modSld">
-      <pc:chgData name="andreea mangar" userId="27925e5480a45e8d" providerId="LiveId" clId="{47F6E039-A133-4ECF-A9F9-8661E7581ED1}" dt="2020-12-09T12:11:00.905" v="0" actId="1076"/>
-      <pc:docMkLst>
-        <pc:docMk/>
-      </pc:docMkLst>
-      <pc:sldChg chg="modSp">
-        <pc:chgData name="andreea mangar" userId="27925e5480a45e8d" providerId="LiveId" clId="{47F6E039-A133-4ECF-A9F9-8661E7581ED1}" dt="2020-12-09T12:11:00.905" v="0" actId="1076"/>
-        <pc:sldMkLst>
-          <pc:docMk/>
-          <pc:sldMk cId="3282600550" sldId="262"/>
-        </pc:sldMkLst>
-        <pc:picChg chg="mod">
-          <ac:chgData name="andreea mangar" userId="27925e5480a45e8d" providerId="LiveId" clId="{47F6E039-A133-4ECF-A9F9-8661E7581ED1}" dt="2020-12-09T12:11:00.905" v="0" actId="1076"/>
-          <ac:picMkLst>
-            <pc:docMk/>
-            <pc:sldMk cId="3282600550" sldId="262"/>
-            <ac:picMk id="4" creationId="{F65B103D-6C6F-4815-A410-498844F32389}"/>
-          </ac:picMkLst>
-        </pc:picChg>
-      </pc:sldChg>
-    </pc:docChg>
-  </pc:docChgLst>
-</pc:chgInfo>
+<file path=ppt/revisionInfo.xml><?xml version="1.0" encoding="utf-8"?>
+<p1510:revInfo xmlns:a="http://schemas.openxmlformats.org/drawingml/2006/main" xmlns:r="http://schemas.openxmlformats.org/officeDocument/2006/relationships" xmlns:p1510="http://schemas.microsoft.com/office/powerpoint/2015/10/main">
+  <p1510:revLst>
+    <p1510:client id="{29042247-60FE-4F2C-AF43-B1EDDD825151}" v="6" dt="2020-03-02T09:10:54.987"/>
+    <p1510:client id="{55239499-0331-4BF9-88F3-E0549B7908A3}" v="2250" dt="2020-03-01T22:41:05.626"/>
+  </p1510:revLst>
+</p1510:revInfo>
 </file>
 
 <file path=ppt/slideLayouts/slideLayout1.xml><?xml version="1.0" encoding="utf-8"?>
@@ -332,7 +312,7 @@
             <a:fld id="{87DE6118-2437-4B30-8E3C-4D2BE6020583}" type="datetimeFigureOut">
               <a:rPr lang="en-US" dirty="0"/>
               <a:pPr/>
-              <a:t>12/9/2020</a:t>
+              <a:t>12/8/2020</a:t>
             </a:fld>
             <a:endParaRPr lang="en-US" dirty="0"/>
           </a:p>
@@ -401,7 +381,7 @@
             <a:fld id="{69E57DC2-970A-4B3E-BB1C-7A09969E49DF}" type="slidenum">
               <a:rPr lang="en-US" dirty="0"/>
               <a:pPr/>
-              <a:t>‹Nº›</a:t>
+              <a:t>‹#›</a:t>
             </a:fld>
             <a:endParaRPr lang="en-US" dirty="0"/>
           </a:p>
@@ -658,7 +638,7 @@
           <a:p>
             <a:fld id="{87DE6118-2437-4B30-8E3C-4D2BE6020583}" type="datetimeFigureOut">
               <a:rPr lang="en-US" dirty="0"/>
-              <a:t>12/9/2020</a:t>
+              <a:t>12/8/2020</a:t>
             </a:fld>
             <a:endParaRPr lang="en-US" dirty="0"/>
           </a:p>
@@ -700,7 +680,7 @@
           <a:p>
             <a:fld id="{69E57DC2-970A-4B3E-BB1C-7A09969E49DF}" type="slidenum">
               <a:rPr lang="en-US" dirty="0"/>
-              <a:t>‹Nº›</a:t>
+              <a:t>‹#›</a:t>
             </a:fld>
             <a:endParaRPr lang="en-US" dirty="0"/>
           </a:p>
@@ -833,7 +813,7 @@
           <a:p>
             <a:fld id="{87DE6118-2437-4B30-8E3C-4D2BE6020583}" type="datetimeFigureOut">
               <a:rPr lang="en-US" dirty="0"/>
-              <a:t>12/9/2020</a:t>
+              <a:t>12/8/2020</a:t>
             </a:fld>
             <a:endParaRPr lang="en-US" dirty="0"/>
           </a:p>
@@ -875,7 +855,7 @@
           <a:p>
             <a:fld id="{69E57DC2-970A-4B3E-BB1C-7A09969E49DF}" type="slidenum">
               <a:rPr lang="en-US" dirty="0"/>
-              <a:t>‹Nº›</a:t>
+              <a:t>‹#›</a:t>
             </a:fld>
             <a:endParaRPr lang="en-US" dirty="0"/>
           </a:p>
@@ -998,7 +978,7 @@
           <a:p>
             <a:fld id="{87DE6118-2437-4B30-8E3C-4D2BE6020583}" type="datetimeFigureOut">
               <a:rPr lang="en-US" dirty="0"/>
-              <a:t>12/9/2020</a:t>
+              <a:t>12/8/2020</a:t>
             </a:fld>
             <a:endParaRPr lang="en-US" dirty="0"/>
           </a:p>
@@ -1040,7 +1020,7 @@
           <a:p>
             <a:fld id="{69E57DC2-970A-4B3E-BB1C-7A09969E49DF}" type="slidenum">
               <a:rPr lang="en-US" dirty="0"/>
-              <a:t>‹Nº›</a:t>
+              <a:t>‹#›</a:t>
             </a:fld>
             <a:endParaRPr lang="en-US" dirty="0"/>
           </a:p>
@@ -1271,7 +1251,7 @@
             <a:fld id="{87DE6118-2437-4B30-8E3C-4D2BE6020583}" type="datetimeFigureOut">
               <a:rPr lang="en-US" dirty="0"/>
               <a:pPr/>
-              <a:t>12/9/2020</a:t>
+              <a:t>12/8/2020</a:t>
             </a:fld>
             <a:endParaRPr lang="en-US" dirty="0"/>
           </a:p>
@@ -1340,7 +1320,7 @@
             <a:fld id="{69E57DC2-970A-4B3E-BB1C-7A09969E49DF}" type="slidenum">
               <a:rPr lang="en-US" dirty="0"/>
               <a:pPr/>
-              <a:t>‹Nº›</a:t>
+              <a:t>‹#›</a:t>
             </a:fld>
             <a:endParaRPr lang="en-US" dirty="0"/>
           </a:p>
@@ -1661,7 +1641,7 @@
           <a:p>
             <a:fld id="{87DE6118-2437-4B30-8E3C-4D2BE6020583}" type="datetimeFigureOut">
               <a:rPr lang="en-US" dirty="0"/>
-              <a:t>12/9/2020</a:t>
+              <a:t>12/8/2020</a:t>
             </a:fld>
             <a:endParaRPr lang="en-US" dirty="0"/>
           </a:p>
@@ -1703,7 +1683,7 @@
           <a:p>
             <a:fld id="{69E57DC2-970A-4B3E-BB1C-7A09969E49DF}" type="slidenum">
               <a:rPr lang="en-US" dirty="0"/>
-              <a:t>‹Nº›</a:t>
+              <a:t>‹#›</a:t>
             </a:fld>
             <a:endParaRPr lang="en-US" dirty="0"/>
           </a:p>
@@ -2133,7 +2113,7 @@
           <a:p>
             <a:fld id="{87DE6118-2437-4B30-8E3C-4D2BE6020583}" type="datetimeFigureOut">
               <a:rPr lang="en-US" dirty="0"/>
-              <a:t>12/9/2020</a:t>
+              <a:t>12/8/2020</a:t>
             </a:fld>
             <a:endParaRPr lang="en-US" dirty="0"/>
           </a:p>
@@ -2175,7 +2155,7 @@
           <a:p>
             <a:fld id="{69E57DC2-970A-4B3E-BB1C-7A09969E49DF}" type="slidenum">
               <a:rPr lang="en-US" dirty="0"/>
-              <a:t>‹Nº›</a:t>
+              <a:t>‹#›</a:t>
             </a:fld>
             <a:endParaRPr lang="en-US" dirty="0"/>
           </a:p>
@@ -2246,7 +2226,7 @@
           <a:p>
             <a:fld id="{87DE6118-2437-4B30-8E3C-4D2BE6020583}" type="datetimeFigureOut">
               <a:rPr lang="en-US" dirty="0"/>
-              <a:t>12/9/2020</a:t>
+              <a:t>12/8/2020</a:t>
             </a:fld>
             <a:endParaRPr lang="en-US" dirty="0"/>
           </a:p>
@@ -2288,7 +2268,7 @@
           <a:p>
             <a:fld id="{69E57DC2-970A-4B3E-BB1C-7A09969E49DF}" type="slidenum">
               <a:rPr lang="en-US" dirty="0"/>
-              <a:t>‹Nº›</a:t>
+              <a:t>‹#›</a:t>
             </a:fld>
             <a:endParaRPr lang="en-US" dirty="0"/>
           </a:p>
@@ -2336,7 +2316,7 @@
           <a:p>
             <a:fld id="{87DE6118-2437-4B30-8E3C-4D2BE6020583}" type="datetimeFigureOut">
               <a:rPr lang="en-US" dirty="0"/>
-              <a:t>12/9/2020</a:t>
+              <a:t>12/8/2020</a:t>
             </a:fld>
             <a:endParaRPr lang="en-US" dirty="0"/>
           </a:p>
@@ -2378,7 +2358,7 @@
           <a:p>
             <a:fld id="{69E57DC2-970A-4B3E-BB1C-7A09969E49DF}" type="slidenum">
               <a:rPr lang="en-US" dirty="0"/>
-              <a:t>‹Nº›</a:t>
+              <a:t>‹#›</a:t>
             </a:fld>
             <a:endParaRPr lang="en-US" dirty="0"/>
           </a:p>
@@ -2678,7 +2658,7 @@
             <a:fld id="{87DE6118-2437-4B30-8E3C-4D2BE6020583}" type="datetimeFigureOut">
               <a:rPr lang="en-US" dirty="0"/>
               <a:pPr/>
-              <a:t>12/9/2020</a:t>
+              <a:t>12/8/2020</a:t>
             </a:fld>
             <a:endParaRPr lang="en-US" dirty="0"/>
           </a:p>
@@ -2747,7 +2727,7 @@
             <a:fld id="{69E57DC2-970A-4B3E-BB1C-7A09969E49DF}" type="slidenum">
               <a:rPr lang="en-US" dirty="0"/>
               <a:pPr/>
-              <a:t>‹Nº›</a:t>
+              <a:t>‹#›</a:t>
             </a:fld>
             <a:endParaRPr lang="en-US" dirty="0"/>
           </a:p>
@@ -3063,7 +3043,7 @@
             <a:fld id="{87DE6118-2437-4B30-8E3C-4D2BE6020583}" type="datetimeFigureOut">
               <a:rPr lang="en-US" dirty="0"/>
               <a:pPr/>
-              <a:t>12/9/2020</a:t>
+              <a:t>12/8/2020</a:t>
             </a:fld>
             <a:endParaRPr lang="en-US" dirty="0"/>
           </a:p>
@@ -3132,7 +3112,7 @@
             <a:fld id="{69E57DC2-970A-4B3E-BB1C-7A09969E49DF}" type="slidenum">
               <a:rPr lang="en-US" dirty="0"/>
               <a:pPr/>
-              <a:t>‹Nº›</a:t>
+              <a:t>‹#›</a:t>
             </a:fld>
             <a:endParaRPr lang="en-US" dirty="0"/>
           </a:p>
@@ -3338,7 +3318,7 @@
             <a:fld id="{87DE6118-2437-4B30-8E3C-4D2BE6020583}" type="datetimeFigureOut">
               <a:rPr lang="en-US" dirty="0"/>
               <a:pPr/>
-              <a:t>12/9/2020</a:t>
+              <a:t>12/8/2020</a:t>
             </a:fld>
             <a:endParaRPr lang="en-US" dirty="0"/>
           </a:p>
@@ -3413,7 +3393,7 @@
             <a:fld id="{69E57DC2-970A-4B3E-BB1C-7A09969E49DF}" type="slidenum">
               <a:rPr lang="en-US" dirty="0"/>
               <a:pPr/>
-              <a:t>‹Nº›</a:t>
+              <a:t>‹#›</a:t>
             </a:fld>
             <a:endParaRPr lang="en-US" dirty="0"/>
           </a:p>
@@ -5142,7 +5122,7 @@
               </a:rPr>
               <a:t>computing</a:t>
             </a:r>
-            <a:endParaRPr lang="es-ES" dirty="0">
+            <a:endParaRPr lang="es-ES">
               <a:ea typeface="+mn-lt"/>
               <a:cs typeface="+mn-lt"/>
             </a:endParaRPr>
@@ -5191,7 +5171,7 @@
               <a:rPr lang="es-ES" i="0" dirty="0" err="1"/>
               <a:t>Numpy</a:t>
             </a:r>
-            <a:endParaRPr lang="es-ES" i="0" dirty="0"/>
+            <a:endParaRPr lang="es-ES" i="0"/>
           </a:p>
           <a:p>
             <a:pPr lvl="1" indent="-383540"/>
@@ -10256,7 +10236,7 @@
         </p:blipFill>
         <p:spPr>
           <a:xfrm>
-            <a:off x="2923968" y="1747058"/>
+            <a:off x="2937684" y="1747058"/>
             <a:ext cx="7377889" cy="4565072"/>
           </a:xfrm>
         </p:spPr>
